--- a/documents/803_Presentation_Fasburg_Thomas_Reiff.pptx
+++ b/documents/803_Presentation_Fasburg_Thomas_Reiff.pptx
@@ -126,7 +126,7 @@
   </p:defaultTextStyle>
   <p:extLst>
     <p:ext uri="{EFAFB233-063F-42B5-8137-9DF3F51BA10A}">
-      <p15:sldGuideLst xmlns="" xmlns:p15="http://schemas.microsoft.com/office/powerpoint/2012/main">
+      <p15:sldGuideLst xmlns:p15="http://schemas.microsoft.com/office/powerpoint/2012/main" xmlns="">
         <p15:guide id="1" orient="horz" pos="2160">
           <p15:clr>
             <a:srgbClr val="A4A3A4"/>
@@ -18612,7 +18612,7 @@
       </p:sp>
       <p:pic>
         <p:nvPicPr>
-          <p:cNvPr id="1026" name="Picture 2"/>
+          <p:cNvPr id="1028" name="Picture 4" descr="C:\GEAviationSystems\Edison\MSU\Classes\CSE_803\cse_803\documents\train_applegreen_19.jpg"/>
           <p:cNvPicPr>
             <a:picLocks noChangeAspect="1" noChangeArrowheads="1"/>
           </p:cNvPicPr>
@@ -18620,114 +18620,6 @@
         </p:nvPicPr>
         <p:blipFill>
           <a:blip r:embed="rId3" cstate="print">
-            <a:extLst>
-              <a:ext uri="{28A0092B-C50C-407E-A947-70E740481C1C}">
-                <a14:useLocalDpi xmlns:a14="http://schemas.microsoft.com/office/drawing/2010/main" val="0"/>
-              </a:ext>
-            </a:extLst>
-          </a:blip>
-          <a:srcRect/>
-          <a:stretch>
-            <a:fillRect/>
-          </a:stretch>
-        </p:blipFill>
-        <p:spPr bwMode="auto">
-          <a:xfrm>
-            <a:off x="5707821" y="2562726"/>
-            <a:ext cx="905070" cy="914400"/>
-          </a:xfrm>
-          <a:prstGeom prst="rect">
-            <a:avLst/>
-          </a:prstGeom>
-          <a:noFill/>
-          <a:ln>
-            <a:noFill/>
-          </a:ln>
-          <a:extLst>
-            <a:ext uri="{909E8E84-426E-40DD-AFC4-6F175D3DCCD1}">
-              <a14:hiddenFill xmlns:a14="http://schemas.microsoft.com/office/drawing/2010/main">
-                <a:solidFill>
-                  <a:schemeClr val="accent1"/>
-                </a:solidFill>
-              </a14:hiddenFill>
-            </a:ext>
-            <a:ext uri="{91240B29-F687-4F45-9708-019B960494DF}">
-              <a14:hiddenLine xmlns:a14="http://schemas.microsoft.com/office/drawing/2010/main" w="9525">
-                <a:solidFill>
-                  <a:schemeClr val="tx1"/>
-                </a:solidFill>
-                <a:miter lim="800000"/>
-                <a:headEnd/>
-                <a:tailEnd/>
-              </a14:hiddenLine>
-            </a:ext>
-          </a:extLst>
-        </p:spPr>
-      </p:pic>
-      <p:pic>
-        <p:nvPicPr>
-          <p:cNvPr id="6" name="Picture 3"/>
-          <p:cNvPicPr>
-            <a:picLocks noChangeAspect="1" noChangeArrowheads="1"/>
-          </p:cNvPicPr>
-          <p:nvPr/>
-        </p:nvPicPr>
-        <p:blipFill>
-          <a:blip r:embed="rId4" cstate="print">
-            <a:extLst>
-              <a:ext uri="{28A0092B-C50C-407E-A947-70E740481C1C}">
-                <a14:useLocalDpi xmlns:a14="http://schemas.microsoft.com/office/drawing/2010/main" val="0"/>
-              </a:ext>
-            </a:extLst>
-          </a:blip>
-          <a:srcRect/>
-          <a:stretch>
-            <a:fillRect/>
-          </a:stretch>
-        </p:blipFill>
-        <p:spPr bwMode="auto">
-          <a:xfrm>
-            <a:off x="7024901" y="2562726"/>
-            <a:ext cx="886235" cy="914400"/>
-          </a:xfrm>
-          <a:prstGeom prst="rect">
-            <a:avLst/>
-          </a:prstGeom>
-          <a:noFill/>
-          <a:ln>
-            <a:noFill/>
-          </a:ln>
-          <a:extLst>
-            <a:ext uri="{909E8E84-426E-40DD-AFC4-6F175D3DCCD1}">
-              <a14:hiddenFill xmlns:a14="http://schemas.microsoft.com/office/drawing/2010/main">
-                <a:solidFill>
-                  <a:schemeClr val="accent1"/>
-                </a:solidFill>
-              </a14:hiddenFill>
-            </a:ext>
-            <a:ext uri="{91240B29-F687-4F45-9708-019B960494DF}">
-              <a14:hiddenLine xmlns:a14="http://schemas.microsoft.com/office/drawing/2010/main" w="9525">
-                <a:solidFill>
-                  <a:schemeClr val="tx1"/>
-                </a:solidFill>
-                <a:miter lim="800000"/>
-                <a:headEnd/>
-                <a:tailEnd/>
-              </a14:hiddenLine>
-            </a:ext>
-          </a:extLst>
-        </p:spPr>
-      </p:pic>
-      <p:pic>
-        <p:nvPicPr>
-          <p:cNvPr id="1028" name="Picture 4" descr="C:\GEAviationSystems\Edison\MSU\Classes\CSE_803\cse_803\documents\train_applegreen_19.jpg"/>
-          <p:cNvPicPr>
-            <a:picLocks noChangeAspect="1" noChangeArrowheads="1"/>
-          </p:cNvPicPr>
-          <p:nvPr/>
-        </p:nvPicPr>
-        <p:blipFill>
-          <a:blip r:embed="rId5" cstate="print">
             <a:extLst>
               <a:ext uri="{28A0092B-C50C-407E-A947-70E740481C1C}">
                 <a14:useLocalDpi xmlns:a14="http://schemas.microsoft.com/office/drawing/2010/main" val="0"/>
@@ -18768,7 +18660,7 @@
           <p:nvPr/>
         </p:nvPicPr>
         <p:blipFill>
-          <a:blip r:embed="rId6" cstate="print">
+          <a:blip r:embed="rId4" cstate="print">
             <a:extLst>
               <a:ext uri="{28A0092B-C50C-407E-A947-70E740481C1C}">
                 <a14:useLocalDpi xmlns:a14="http://schemas.microsoft.com/office/drawing/2010/main" val="0"/>
@@ -18809,7 +18701,7 @@
           <p:nvPr/>
         </p:nvPicPr>
         <p:blipFill rotWithShape="1">
-          <a:blip r:embed="rId7" cstate="print">
+          <a:blip r:embed="rId5" cstate="print">
             <a:extLst>
               <a:ext uri="{28A0092B-C50C-407E-A947-70E740481C1C}">
                 <a14:useLocalDpi xmlns:a14="http://schemas.microsoft.com/office/drawing/2010/main" val="0"/>
@@ -18848,7 +18740,7 @@
           <p:nvPr/>
         </p:nvPicPr>
         <p:blipFill rotWithShape="1">
-          <a:blip r:embed="rId8" cstate="print">
+          <a:blip r:embed="rId6" cstate="print">
             <a:extLst>
               <a:ext uri="{28A0092B-C50C-407E-A947-70E740481C1C}">
                 <a14:useLocalDpi xmlns:a14="http://schemas.microsoft.com/office/drawing/2010/main" val="0"/>
@@ -18887,7 +18779,7 @@
           <p:nvPr/>
         </p:nvPicPr>
         <p:blipFill>
-          <a:blip r:embed="rId9" cstate="print">
+          <a:blip r:embed="rId7" cstate="print">
             <a:extLst>
               <a:ext uri="{28A0092B-C50C-407E-A947-70E740481C1C}">
                 <a14:useLocalDpi xmlns:a14="http://schemas.microsoft.com/office/drawing/2010/main" val="0"/>
@@ -18928,7 +18820,7 @@
           <p:nvPr/>
         </p:nvPicPr>
         <p:blipFill rotWithShape="1">
-          <a:blip r:embed="rId10" cstate="print">
+          <a:blip r:embed="rId8" cstate="print">
             <a:extLst>
               <a:ext uri="{28A0092B-C50C-407E-A947-70E740481C1C}">
                 <a14:useLocalDpi xmlns:a14="http://schemas.microsoft.com/office/drawing/2010/main" val="0"/>
@@ -18967,7 +18859,7 @@
           <p:nvPr/>
         </p:nvPicPr>
         <p:blipFill rotWithShape="1">
-          <a:blip r:embed="rId11" cstate="print">
+          <a:blip r:embed="rId9" cstate="print">
             <a:extLst>
               <a:ext uri="{28A0092B-C50C-407E-A947-70E740481C1C}">
                 <a14:useLocalDpi xmlns:a14="http://schemas.microsoft.com/office/drawing/2010/main" val="0"/>
@@ -19006,7 +18898,7 @@
           <p:nvPr/>
         </p:nvPicPr>
         <p:blipFill>
-          <a:blip r:embed="rId12" cstate="print">
+          <a:blip r:embed="rId10" cstate="print">
             <a:extLst>
               <a:ext uri="{28A0092B-C50C-407E-A947-70E740481C1C}">
                 <a14:useLocalDpi xmlns:a14="http://schemas.microsoft.com/office/drawing/2010/main" val="0"/>
@@ -19047,7 +18939,7 @@
           <p:nvPr/>
         </p:nvPicPr>
         <p:blipFill rotWithShape="1">
-          <a:blip r:embed="rId13" cstate="print">
+          <a:blip r:embed="rId11" cstate="print">
             <a:extLst>
               <a:ext uri="{28A0092B-C50C-407E-A947-70E740481C1C}">
                 <a14:useLocalDpi xmlns:a14="http://schemas.microsoft.com/office/drawing/2010/main" val="0"/>
@@ -19086,7 +18978,7 @@
           <p:nvPr/>
         </p:nvPicPr>
         <p:blipFill rotWithShape="1">
-          <a:blip r:embed="rId14" cstate="print">
+          <a:blip r:embed="rId12" cstate="print">
             <a:extLst>
               <a:ext uri="{28A0092B-C50C-407E-A947-70E740481C1C}">
                 <a14:useLocalDpi xmlns:a14="http://schemas.microsoft.com/office/drawing/2010/main" val="0"/>
@@ -19310,7 +19202,7 @@
           <p:nvPr/>
         </p:nvPicPr>
         <p:blipFill rotWithShape="1">
-          <a:blip r:embed="rId15" cstate="print">
+          <a:blip r:embed="rId13" cstate="print">
             <a:extLst>
               <a:ext uri="{28A0092B-C50C-407E-A947-70E740481C1C}">
                 <a14:useLocalDpi xmlns:a14="http://schemas.microsoft.com/office/drawing/2010/main" val="0"/>
@@ -19349,7 +19241,7 @@
           <p:nvPr/>
         </p:nvPicPr>
         <p:blipFill>
-          <a:blip r:embed="rId16" cstate="print">
+          <a:blip r:embed="rId14" cstate="print">
             <a:extLst>
               <a:ext uri="{28A0092B-C50C-407E-A947-70E740481C1C}">
                 <a14:useLocalDpi xmlns:a14="http://schemas.microsoft.com/office/drawing/2010/main" val="0"/>
@@ -19464,7 +19356,7 @@
           <p:nvPr/>
         </p:nvPicPr>
         <p:blipFill>
-          <a:blip r:embed="rId17" cstate="print">
+          <a:blip r:embed="rId15" cstate="print">
             <a:extLst>
               <a:ext uri="{28A0092B-C50C-407E-A947-70E740481C1C}">
                 <a14:useLocalDpi xmlns:a14="http://schemas.microsoft.com/office/drawing/2010/main" val="0"/>
@@ -19492,6 +19384,130 @@
                   <a:srgbClr val="FFFFFF"/>
                 </a:solidFill>
               </a14:hiddenFill>
+            </a:ext>
+          </a:extLst>
+        </p:spPr>
+      </p:pic>
+      <p:pic>
+        <p:nvPicPr>
+          <p:cNvPr id="1027" name="Picture 3"/>
+          <p:cNvPicPr>
+            <a:picLocks noChangeAspect="1" noChangeArrowheads="1"/>
+          </p:cNvPicPr>
+          <p:nvPr/>
+        </p:nvPicPr>
+        <p:blipFill rotWithShape="1">
+          <a:blip r:embed="rId16" cstate="print">
+            <a:extLst>
+              <a:ext uri="{28A0092B-C50C-407E-A947-70E740481C1C}">
+                <a14:useLocalDpi xmlns:a14="http://schemas.microsoft.com/office/drawing/2010/main" val="0"/>
+              </a:ext>
+            </a:extLst>
+          </a:blip>
+          <a:srcRect l="8907" r="5765" b="8900"/>
+          <a:stretch/>
+        </p:blipFill>
+        <p:spPr bwMode="auto">
+          <a:xfrm>
+            <a:off x="6934200" y="2478066"/>
+            <a:ext cx="1150257" cy="1103334"/>
+          </a:xfrm>
+          <a:prstGeom prst="rect">
+            <a:avLst/>
+          </a:prstGeom>
+          <a:noFill/>
+          <a:ln>
+            <a:noFill/>
+          </a:ln>
+          <a:effectLst/>
+          <a:extLst>
+            <a:ext uri="{909E8E84-426E-40DD-AFC4-6F175D3DCCD1}">
+              <a14:hiddenFill xmlns:a14="http://schemas.microsoft.com/office/drawing/2010/main">
+                <a:solidFill>
+                  <a:schemeClr val="accent1"/>
+                </a:solidFill>
+              </a14:hiddenFill>
+            </a:ext>
+            <a:ext uri="{91240B29-F687-4F45-9708-019B960494DF}">
+              <a14:hiddenLine xmlns:a14="http://schemas.microsoft.com/office/drawing/2010/main" w="9525">
+                <a:solidFill>
+                  <a:schemeClr val="tx1"/>
+                </a:solidFill>
+                <a:miter lim="800000"/>
+                <a:headEnd/>
+                <a:tailEnd/>
+              </a14:hiddenLine>
+            </a:ext>
+            <a:ext uri="{AF507438-7753-43E0-B8FC-AC1667EBCBE1}">
+              <a14:hiddenEffects xmlns:a14="http://schemas.microsoft.com/office/drawing/2010/main">
+                <a:effectLst>
+                  <a:outerShdw dist="35921" dir="2700000" algn="ctr" rotWithShape="0">
+                    <a:schemeClr val="bg2"/>
+                  </a:outerShdw>
+                </a:effectLst>
+              </a14:hiddenEffects>
+            </a:ext>
+          </a:extLst>
+        </p:spPr>
+      </p:pic>
+      <p:pic>
+        <p:nvPicPr>
+          <p:cNvPr id="7" name="Picture 4"/>
+          <p:cNvPicPr>
+            <a:picLocks noChangeAspect="1" noChangeArrowheads="1"/>
+          </p:cNvPicPr>
+          <p:nvPr/>
+        </p:nvPicPr>
+        <p:blipFill rotWithShape="1">
+          <a:blip r:embed="rId17" cstate="print">
+            <a:extLst>
+              <a:ext uri="{28A0092B-C50C-407E-A947-70E740481C1C}">
+                <a14:useLocalDpi xmlns:a14="http://schemas.microsoft.com/office/drawing/2010/main" val="0"/>
+              </a:ext>
+            </a:extLst>
+          </a:blip>
+          <a:srcRect l="11573" t="4229" r="10927" b="8703"/>
+          <a:stretch/>
+        </p:blipFill>
+        <p:spPr bwMode="auto">
+          <a:xfrm>
+            <a:off x="5646882" y="2536825"/>
+            <a:ext cx="1074593" cy="1084680"/>
+          </a:xfrm>
+          <a:prstGeom prst="rect">
+            <a:avLst/>
+          </a:prstGeom>
+          <a:noFill/>
+          <a:ln>
+            <a:noFill/>
+          </a:ln>
+          <a:effectLst/>
+          <a:extLst>
+            <a:ext uri="{909E8E84-426E-40DD-AFC4-6F175D3DCCD1}">
+              <a14:hiddenFill xmlns:a14="http://schemas.microsoft.com/office/drawing/2010/main">
+                <a:solidFill>
+                  <a:schemeClr val="accent1"/>
+                </a:solidFill>
+              </a14:hiddenFill>
+            </a:ext>
+            <a:ext uri="{91240B29-F687-4F45-9708-019B960494DF}">
+              <a14:hiddenLine xmlns:a14="http://schemas.microsoft.com/office/drawing/2010/main" w="9525">
+                <a:solidFill>
+                  <a:schemeClr val="tx1"/>
+                </a:solidFill>
+                <a:miter lim="800000"/>
+                <a:headEnd/>
+                <a:tailEnd/>
+              </a14:hiddenLine>
+            </a:ext>
+            <a:ext uri="{AF507438-7753-43E0-B8FC-AC1667EBCBE1}">
+              <a14:hiddenEffects xmlns:a14="http://schemas.microsoft.com/office/drawing/2010/main">
+                <a:effectLst>
+                  <a:outerShdw dist="35921" dir="2700000" algn="ctr" rotWithShape="0">
+                    <a:schemeClr val="bg2"/>
+                  </a:outerShdw>
+                </a:effectLst>
+              </a14:hiddenEffects>
             </a:ext>
           </a:extLst>
         </p:spPr>
